--- a/day_1/3_homework_1_basics/homework_1.pptx
+++ b/day_1/3_homework_1_basics/homework_1.pptx
@@ -6,15 +6,14 @@
     <p:sldMasterId id="2147483672" r:id="rId2"/>
   </p:sldMasterIdLst>
   <p:notesMasterIdLst>
-    <p:notesMasterId r:id="rId9"/>
+    <p:notesMasterId r:id="rId8"/>
   </p:notesMasterIdLst>
   <p:sldIdLst>
     <p:sldId id="287" r:id="rId3"/>
-    <p:sldId id="297" r:id="rId4"/>
-    <p:sldId id="298" r:id="rId5"/>
-    <p:sldId id="299" r:id="rId6"/>
-    <p:sldId id="300" r:id="rId7"/>
-    <p:sldId id="301" r:id="rId8"/>
+    <p:sldId id="298" r:id="rId4"/>
+    <p:sldId id="299" r:id="rId5"/>
+    <p:sldId id="300" r:id="rId6"/>
+    <p:sldId id="301" r:id="rId7"/>
   </p:sldIdLst>
   <p:sldSz cx="9144000" cy="5143500" type="screen16x9"/>
   <p:notesSz cx="6797675" cy="9874250"/>
@@ -230,7 +229,7 @@
             <a:fld id="{E8AAFCDB-3C88-4399-8B8F-0480CFAAF19D}" type="datetimeFigureOut">
               <a:rPr lang="en-US" smtClean="0"/>
               <a:pPr/>
-              <a:t>1/11/2019</a:t>
+              <a:t>1/14/2019</a:t>
             </a:fld>
             <a:endParaRPr lang="en-US"/>
           </a:p>
@@ -574,7 +573,7 @@
     </p:spTree>
     <p:extLst>
       <p:ext uri="{BB962C8B-B14F-4D97-AF65-F5344CB8AC3E}">
-        <p14:creationId xmlns:p14="http://schemas.microsoft.com/office/powerpoint/2010/main" val="1546293492"/>
+        <p14:creationId xmlns:p14="http://schemas.microsoft.com/office/powerpoint/2010/main" val="4053411843"/>
       </p:ext>
     </p:extLst>
   </p:cSld>
@@ -659,7 +658,7 @@
     </p:spTree>
     <p:extLst>
       <p:ext uri="{BB962C8B-B14F-4D97-AF65-F5344CB8AC3E}">
-        <p14:creationId xmlns:p14="http://schemas.microsoft.com/office/powerpoint/2010/main" val="4053411843"/>
+        <p14:creationId xmlns:p14="http://schemas.microsoft.com/office/powerpoint/2010/main" val="173203320"/>
       </p:ext>
     </p:extLst>
   </p:cSld>
@@ -744,7 +743,7 @@
     </p:spTree>
     <p:extLst>
       <p:ext uri="{BB962C8B-B14F-4D97-AF65-F5344CB8AC3E}">
-        <p14:creationId xmlns:p14="http://schemas.microsoft.com/office/powerpoint/2010/main" val="173203320"/>
+        <p14:creationId xmlns:p14="http://schemas.microsoft.com/office/powerpoint/2010/main" val="1591339846"/>
       </p:ext>
     </p:extLst>
   </p:cSld>
@@ -821,91 +820,6 @@
               <a:rPr lang="en-US" smtClean="0"/>
               <a:pPr/>
               <a:t>5</a:t>
-            </a:fld>
-            <a:endParaRPr lang="en-US"/>
-          </a:p>
-        </p:txBody>
-      </p:sp>
-    </p:spTree>
-    <p:extLst>
-      <p:ext uri="{BB962C8B-B14F-4D97-AF65-F5344CB8AC3E}">
-        <p14:creationId xmlns:p14="http://schemas.microsoft.com/office/powerpoint/2010/main" val="1591339846"/>
-      </p:ext>
-    </p:extLst>
-  </p:cSld>
-  <p:clrMapOvr>
-    <a:masterClrMapping/>
-  </p:clrMapOvr>
-</p:notes>
-</file>
-
-<file path=ppt/notesSlides/notesSlide5.xml><?xml version="1.0" encoding="utf-8"?>
-<p:notes xmlns:a="http://schemas.openxmlformats.org/drawingml/2006/main" xmlns:r="http://schemas.openxmlformats.org/officeDocument/2006/relationships" xmlns:p="http://schemas.openxmlformats.org/presentationml/2006/main">
-  <p:cSld>
-    <p:spTree>
-      <p:nvGrpSpPr>
-        <p:cNvPr id="1" name=""/>
-        <p:cNvGrpSpPr/>
-        <p:nvPr/>
-      </p:nvGrpSpPr>
-      <p:grpSpPr>
-        <a:xfrm>
-          <a:off x="0" y="0"/>
-          <a:ext cx="0" cy="0"/>
-          <a:chOff x="0" y="0"/>
-          <a:chExt cx="0" cy="0"/>
-        </a:xfrm>
-      </p:grpSpPr>
-      <p:sp>
-        <p:nvSpPr>
-          <p:cNvPr id="2" name="Slide Image Placeholder 1"/>
-          <p:cNvSpPr>
-            <a:spLocks noGrp="1" noRot="1" noChangeAspect="1"/>
-          </p:cNvSpPr>
-          <p:nvPr>
-            <p:ph type="sldImg"/>
-          </p:nvPr>
-        </p:nvSpPr>
-        <p:spPr/>
-      </p:sp>
-      <p:sp>
-        <p:nvSpPr>
-          <p:cNvPr id="3" name="Notes Placeholder 2"/>
-          <p:cNvSpPr>
-            <a:spLocks noGrp="1"/>
-          </p:cNvSpPr>
-          <p:nvPr>
-            <p:ph type="body" idx="1"/>
-          </p:nvPr>
-        </p:nvSpPr>
-        <p:spPr/>
-        <p:txBody>
-          <a:bodyPr/>
-          <a:lstStyle/>
-          <a:p>
-            <a:endParaRPr lang="en-US"/>
-          </a:p>
-        </p:txBody>
-      </p:sp>
-      <p:sp>
-        <p:nvSpPr>
-          <p:cNvPr id="4" name="Slide Number Placeholder 3"/>
-          <p:cNvSpPr>
-            <a:spLocks noGrp="1"/>
-          </p:cNvSpPr>
-          <p:nvPr>
-            <p:ph type="sldNum" sz="quarter" idx="10"/>
-          </p:nvPr>
-        </p:nvSpPr>
-        <p:spPr/>
-        <p:txBody>
-          <a:bodyPr/>
-          <a:lstStyle/>
-          <a:p>
-            <a:fld id="{ADB45843-95A7-4506-A0BB-BE19B8D96825}" type="slidenum">
-              <a:rPr lang="en-US" smtClean="0"/>
-              <a:pPr/>
-              <a:t>6</a:t>
             </a:fld>
             <a:endParaRPr lang="en-US"/>
           </a:p>
@@ -1047,7 +961,7 @@
         <p:spPr>
           <a:extLst>
             <a:ext uri="{FAA26D3D-D897-4be2-8F04-BA451C77F1D7}">
-              <ma14:placeholderFlag xmlns:ma14="http://schemas.microsoft.com/office/mac/drawingml/2011/main" xmlns="" val="1"/>
+              <ma14:placeholderFlag xmlns="" xmlns:ma14="http://schemas.microsoft.com/office/mac/drawingml/2011/main" val="1"/>
             </a:ext>
           </a:extLst>
         </p:spPr>
@@ -1207,7 +1121,7 @@
         <p:spPr>
           <a:extLst>
             <a:ext uri="{FAA26D3D-D897-4be2-8F04-BA451C77F1D7}">
-              <ma14:placeholderFlag xmlns:ma14="http://schemas.microsoft.com/office/mac/drawingml/2011/main" xmlns="" val="1"/>
+              <ma14:placeholderFlag xmlns="" xmlns:ma14="http://schemas.microsoft.com/office/mac/drawingml/2011/main" val="1"/>
             </a:ext>
           </a:extLst>
         </p:spPr>
@@ -1424,7 +1338,7 @@
               </a14:hiddenEffects>
             </a:ext>
             <a:ext uri="{FAA26D3D-D897-4be2-8F04-BA451C77F1D7}">
-              <ma14:placeholderFlag xmlns:ma14="http://schemas.microsoft.com/office/mac/drawingml/2011/main" xmlns="" val="1"/>
+              <ma14:placeholderFlag xmlns="" xmlns:ma14="http://schemas.microsoft.com/office/mac/drawingml/2011/main" val="1"/>
             </a:ext>
           </a:extLst>
         </p:spPr>
@@ -1502,7 +1416,7 @@
               </a14:hiddenEffects>
             </a:ext>
             <a:ext uri="{FAA26D3D-D897-4be2-8F04-BA451C77F1D7}">
-              <ma14:placeholderFlag xmlns:ma14="http://schemas.microsoft.com/office/mac/drawingml/2011/main" xmlns="" val="1"/>
+              <ma14:placeholderFlag xmlns="" xmlns:ma14="http://schemas.microsoft.com/office/mac/drawingml/2011/main" val="1"/>
             </a:ext>
           </a:extLst>
         </p:spPr>
@@ -1604,7 +1518,7 @@
               </a14:hiddenEffects>
             </a:ext>
             <a:ext uri="{FAA26D3D-D897-4be2-8F04-BA451C77F1D7}">
-              <ma14:placeholderFlag xmlns:ma14="http://schemas.microsoft.com/office/mac/drawingml/2011/main" xmlns="" val="1"/>
+              <ma14:placeholderFlag xmlns="" xmlns:ma14="http://schemas.microsoft.com/office/mac/drawingml/2011/main" val="1"/>
             </a:ext>
           </a:extLst>
         </p:spPr>
@@ -2336,7 +2250,7 @@
               </a14:hiddenEffects>
             </a:ext>
             <a:ext uri="{FAA26D3D-D897-4be2-8F04-BA451C77F1D7}">
-              <ma14:placeholderFlag xmlns:ma14="http://schemas.microsoft.com/office/mac/drawingml/2011/main" xmlns="" val="1"/>
+              <ma14:placeholderFlag xmlns="" xmlns:ma14="http://schemas.microsoft.com/office/mac/drawingml/2011/main" val="1"/>
             </a:ext>
           </a:extLst>
         </p:spPr>
@@ -2414,7 +2328,7 @@
               </a14:hiddenEffects>
             </a:ext>
             <a:ext uri="{FAA26D3D-D897-4be2-8F04-BA451C77F1D7}">
-              <ma14:placeholderFlag xmlns:ma14="http://schemas.microsoft.com/office/mac/drawingml/2011/main" xmlns="" val="1"/>
+              <ma14:placeholderFlag xmlns="" xmlns:ma14="http://schemas.microsoft.com/office/mac/drawingml/2011/main" val="1"/>
             </a:ext>
           </a:extLst>
         </p:spPr>
@@ -3016,7 +2930,11 @@
             </a:pPr>
             <a:r>
               <a:rPr lang="en-US" sz="2800" dirty="0" smtClean="0"/>
-              <a:t>Homework 1</a:t>
+              <a:t>Homework </a:t>
+            </a:r>
+            <a:r>
+              <a:rPr lang="en-US" sz="2800" dirty="0" smtClean="0"/>
+              <a:t>1: basics</a:t>
             </a:r>
             <a:endParaRPr lang="ru-RU" sz="2800" dirty="0" smtClean="0"/>
           </a:p>
@@ -3245,7 +3163,7 @@
           <a:p>
             <a:r>
               <a:rPr lang="en-US" dirty="0" smtClean="0"/>
-              <a:t>Issues data</a:t>
+              <a:t>Problem 1: recreate the plot below with python</a:t>
             </a:r>
             <a:endParaRPr lang="ru-RU" dirty="0"/>
           </a:p>
@@ -3288,960 +3206,110 @@
           </a:p>
         </p:txBody>
       </p:sp>
-      <p:graphicFrame>
-        <p:nvGraphicFramePr>
-          <p:cNvPr id="3" name="Table 2"/>
-          <p:cNvGraphicFramePr>
-            <a:graphicFrameLocks noGrp="1"/>
-          </p:cNvGraphicFramePr>
-          <p:nvPr>
-            <p:extLst>
-              <p:ext uri="{D42A27DB-BD31-4B8C-83A1-F6EECF244321}">
-                <p14:modId xmlns:p14="http://schemas.microsoft.com/office/powerpoint/2010/main" val="3510123045"/>
-              </p:ext>
-            </p:extLst>
-          </p:nvPr>
-        </p:nvGraphicFramePr>
-        <p:xfrm>
-          <a:off x="2999605" y="1228803"/>
-          <a:ext cx="2572215" cy="2393950"/>
-        </p:xfrm>
-        <a:graphic>
-          <a:graphicData uri="http://schemas.openxmlformats.org/drawingml/2006/table">
-            <a:tbl>
-              <a:tblPr>
-                <a:tableStyleId>{21E4AEA4-8DFA-4A89-87EB-49C32662AFE0}</a:tableStyleId>
-              </a:tblPr>
-              <a:tblGrid>
-                <a:gridCol w="857405"/>
-                <a:gridCol w="857405"/>
-                <a:gridCol w="857405"/>
-              </a:tblGrid>
-              <a:tr h="184150">
-                <a:tc>
-                  <a:txBody>
-                    <a:bodyPr/>
-                    <a:lstStyle/>
-                    <a:p>
-                      <a:pPr algn="l" fontAlgn="b"/>
-                      <a:endParaRPr lang="en-US" sz="1100" b="0" i="0" u="none" strike="noStrike" dirty="0">
-                        <a:solidFill>
-                          <a:srgbClr val="000000"/>
-                        </a:solidFill>
-                        <a:effectLst/>
-                        <a:latin typeface="Calibri" panose="020F0502020204030204" pitchFamily="34" charset="0"/>
-                      </a:endParaRPr>
-                    </a:p>
-                  </a:txBody>
-                  <a:tcPr marL="6350" marR="6350" marT="6350" marB="0" anchor="b"/>
-                </a:tc>
-                <a:tc>
-                  <a:txBody>
-                    <a:bodyPr/>
-                    <a:lstStyle/>
-                    <a:p>
-                      <a:pPr algn="l" fontAlgn="b"/>
-                      <a:r>
-                        <a:rPr lang="en-US" sz="1100" u="none" strike="noStrike">
-                          <a:effectLst/>
-                        </a:rPr>
-                        <a:t>Received</a:t>
-                      </a:r>
-                      <a:endParaRPr lang="en-US" sz="1100" b="0" i="0" u="none" strike="noStrike">
-                        <a:solidFill>
-                          <a:srgbClr val="000000"/>
-                        </a:solidFill>
-                        <a:effectLst/>
-                        <a:latin typeface="Calibri" panose="020F0502020204030204" pitchFamily="34" charset="0"/>
-                      </a:endParaRPr>
-                    </a:p>
-                  </a:txBody>
-                  <a:tcPr marL="6350" marR="6350" marT="6350" marB="0" anchor="b"/>
-                </a:tc>
-                <a:tc>
-                  <a:txBody>
-                    <a:bodyPr/>
-                    <a:lstStyle/>
-                    <a:p>
-                      <a:pPr algn="l" fontAlgn="b"/>
-                      <a:r>
-                        <a:rPr lang="en-US" sz="1100" u="none" strike="noStrike">
-                          <a:effectLst/>
-                        </a:rPr>
-                        <a:t>Processed</a:t>
-                      </a:r>
-                      <a:endParaRPr lang="en-US" sz="1100" b="0" i="0" u="none" strike="noStrike">
-                        <a:solidFill>
-                          <a:srgbClr val="000000"/>
-                        </a:solidFill>
-                        <a:effectLst/>
-                        <a:latin typeface="Calibri" panose="020F0502020204030204" pitchFamily="34" charset="0"/>
-                      </a:endParaRPr>
-                    </a:p>
-                  </a:txBody>
-                  <a:tcPr marL="6350" marR="6350" marT="6350" marB="0" anchor="b"/>
-                </a:tc>
-              </a:tr>
-              <a:tr h="184150">
-                <a:tc>
-                  <a:txBody>
-                    <a:bodyPr/>
-                    <a:lstStyle/>
-                    <a:p>
-                      <a:pPr algn="l" fontAlgn="b"/>
-                      <a:r>
-                        <a:rPr lang="en-US" sz="1100" u="none" strike="noStrike">
-                          <a:effectLst/>
-                        </a:rPr>
-                        <a:t>January</a:t>
-                      </a:r>
-                      <a:endParaRPr lang="en-US" sz="1100" b="0" i="0" u="none" strike="noStrike">
-                        <a:solidFill>
-                          <a:srgbClr val="000000"/>
-                        </a:solidFill>
-                        <a:effectLst/>
-                        <a:latin typeface="Calibri" panose="020F0502020204030204" pitchFamily="34" charset="0"/>
-                      </a:endParaRPr>
-                    </a:p>
-                  </a:txBody>
-                  <a:tcPr marL="6350" marR="6350" marT="6350" marB="0" anchor="b"/>
-                </a:tc>
-                <a:tc>
-                  <a:txBody>
-                    <a:bodyPr/>
-                    <a:lstStyle/>
-                    <a:p>
-                      <a:pPr algn="r" fontAlgn="b"/>
-                      <a:r>
-                        <a:rPr lang="en-US" sz="1100" u="none" strike="noStrike">
-                          <a:effectLst/>
-                        </a:rPr>
-                        <a:t>160</a:t>
-                      </a:r>
-                      <a:endParaRPr lang="en-US" sz="1100" b="0" i="0" u="none" strike="noStrike">
-                        <a:solidFill>
-                          <a:srgbClr val="000000"/>
-                        </a:solidFill>
-                        <a:effectLst/>
-                        <a:latin typeface="Calibri" panose="020F0502020204030204" pitchFamily="34" charset="0"/>
-                      </a:endParaRPr>
-                    </a:p>
-                  </a:txBody>
-                  <a:tcPr marL="6350" marR="6350" marT="6350" marB="0" anchor="b"/>
-                </a:tc>
-                <a:tc>
-                  <a:txBody>
-                    <a:bodyPr/>
-                    <a:lstStyle/>
-                    <a:p>
-                      <a:pPr algn="r" fontAlgn="b"/>
-                      <a:r>
-                        <a:rPr lang="en-US" sz="1100" u="none" strike="noStrike">
-                          <a:effectLst/>
-                        </a:rPr>
-                        <a:t>160</a:t>
-                      </a:r>
-                      <a:endParaRPr lang="en-US" sz="1100" b="0" i="0" u="none" strike="noStrike">
-                        <a:solidFill>
-                          <a:srgbClr val="000000"/>
-                        </a:solidFill>
-                        <a:effectLst/>
-                        <a:latin typeface="Calibri" panose="020F0502020204030204" pitchFamily="34" charset="0"/>
-                      </a:endParaRPr>
-                    </a:p>
-                  </a:txBody>
-                  <a:tcPr marL="6350" marR="6350" marT="6350" marB="0" anchor="b"/>
-                </a:tc>
-              </a:tr>
-              <a:tr h="184150">
-                <a:tc>
-                  <a:txBody>
-                    <a:bodyPr/>
-                    <a:lstStyle/>
-                    <a:p>
-                      <a:pPr algn="l" fontAlgn="b"/>
-                      <a:r>
-                        <a:rPr lang="en-US" sz="1100" u="none" strike="noStrike">
-                          <a:effectLst/>
-                        </a:rPr>
-                        <a:t>February</a:t>
-                      </a:r>
-                      <a:endParaRPr lang="en-US" sz="1100" b="0" i="0" u="none" strike="noStrike">
-                        <a:solidFill>
-                          <a:srgbClr val="000000"/>
-                        </a:solidFill>
-                        <a:effectLst/>
-                        <a:latin typeface="Calibri" panose="020F0502020204030204" pitchFamily="34" charset="0"/>
-                      </a:endParaRPr>
-                    </a:p>
-                  </a:txBody>
-                  <a:tcPr marL="6350" marR="6350" marT="6350" marB="0" anchor="b"/>
-                </a:tc>
-                <a:tc>
-                  <a:txBody>
-                    <a:bodyPr/>
-                    <a:lstStyle/>
-                    <a:p>
-                      <a:pPr algn="r" fontAlgn="b"/>
-                      <a:r>
-                        <a:rPr lang="en-US" sz="1100" u="none" strike="noStrike">
-                          <a:effectLst/>
-                        </a:rPr>
-                        <a:t>184</a:t>
-                      </a:r>
-                      <a:endParaRPr lang="en-US" sz="1100" b="0" i="0" u="none" strike="noStrike">
-                        <a:solidFill>
-                          <a:srgbClr val="000000"/>
-                        </a:solidFill>
-                        <a:effectLst/>
-                        <a:latin typeface="Calibri" panose="020F0502020204030204" pitchFamily="34" charset="0"/>
-                      </a:endParaRPr>
-                    </a:p>
-                  </a:txBody>
-                  <a:tcPr marL="6350" marR="6350" marT="6350" marB="0" anchor="b"/>
-                </a:tc>
-                <a:tc>
-                  <a:txBody>
-                    <a:bodyPr/>
-                    <a:lstStyle/>
-                    <a:p>
-                      <a:pPr algn="r" fontAlgn="b"/>
-                      <a:r>
-                        <a:rPr lang="en-US" sz="1100" u="none" strike="noStrike">
-                          <a:effectLst/>
-                        </a:rPr>
-                        <a:t>184</a:t>
-                      </a:r>
-                      <a:endParaRPr lang="en-US" sz="1100" b="0" i="0" u="none" strike="noStrike">
-                        <a:solidFill>
-                          <a:srgbClr val="000000"/>
-                        </a:solidFill>
-                        <a:effectLst/>
-                        <a:latin typeface="Calibri" panose="020F0502020204030204" pitchFamily="34" charset="0"/>
-                      </a:endParaRPr>
-                    </a:p>
-                  </a:txBody>
-                  <a:tcPr marL="6350" marR="6350" marT="6350" marB="0" anchor="b"/>
-                </a:tc>
-              </a:tr>
-              <a:tr h="184150">
-                <a:tc>
-                  <a:txBody>
-                    <a:bodyPr/>
-                    <a:lstStyle/>
-                    <a:p>
-                      <a:pPr algn="l" fontAlgn="b"/>
-                      <a:r>
-                        <a:rPr lang="en-US" sz="1100" u="none" strike="noStrike">
-                          <a:effectLst/>
-                        </a:rPr>
-                        <a:t>March</a:t>
-                      </a:r>
-                      <a:endParaRPr lang="en-US" sz="1100" b="0" i="0" u="none" strike="noStrike">
-                        <a:solidFill>
-                          <a:srgbClr val="000000"/>
-                        </a:solidFill>
-                        <a:effectLst/>
-                        <a:latin typeface="Calibri" panose="020F0502020204030204" pitchFamily="34" charset="0"/>
-                      </a:endParaRPr>
-                    </a:p>
-                  </a:txBody>
-                  <a:tcPr marL="6350" marR="6350" marT="6350" marB="0" anchor="b"/>
-                </a:tc>
-                <a:tc>
-                  <a:txBody>
-                    <a:bodyPr/>
-                    <a:lstStyle/>
-                    <a:p>
-                      <a:pPr algn="r" fontAlgn="b"/>
-                      <a:r>
-                        <a:rPr lang="en-US" sz="1100" u="none" strike="noStrike">
-                          <a:effectLst/>
-                        </a:rPr>
-                        <a:t>241</a:t>
-                      </a:r>
-                      <a:endParaRPr lang="en-US" sz="1100" b="0" i="0" u="none" strike="noStrike">
-                        <a:solidFill>
-                          <a:srgbClr val="000000"/>
-                        </a:solidFill>
-                        <a:effectLst/>
-                        <a:latin typeface="Calibri" panose="020F0502020204030204" pitchFamily="34" charset="0"/>
-                      </a:endParaRPr>
-                    </a:p>
-                  </a:txBody>
-                  <a:tcPr marL="6350" marR="6350" marT="6350" marB="0" anchor="b"/>
-                </a:tc>
-                <a:tc>
-                  <a:txBody>
-                    <a:bodyPr/>
-                    <a:lstStyle/>
-                    <a:p>
-                      <a:pPr algn="r" fontAlgn="b"/>
-                      <a:r>
-                        <a:rPr lang="en-US" sz="1100" u="none" strike="noStrike">
-                          <a:effectLst/>
-                        </a:rPr>
-                        <a:t>237</a:t>
-                      </a:r>
-                      <a:endParaRPr lang="en-US" sz="1100" b="0" i="0" u="none" strike="noStrike">
-                        <a:solidFill>
-                          <a:srgbClr val="000000"/>
-                        </a:solidFill>
-                        <a:effectLst/>
-                        <a:latin typeface="Calibri" panose="020F0502020204030204" pitchFamily="34" charset="0"/>
-                      </a:endParaRPr>
-                    </a:p>
-                  </a:txBody>
-                  <a:tcPr marL="6350" marR="6350" marT="6350" marB="0" anchor="b"/>
-                </a:tc>
-              </a:tr>
-              <a:tr h="184150">
-                <a:tc>
-                  <a:txBody>
-                    <a:bodyPr/>
-                    <a:lstStyle/>
-                    <a:p>
-                      <a:pPr algn="l" fontAlgn="b"/>
-                      <a:r>
-                        <a:rPr lang="en-US" sz="1100" u="none" strike="noStrike">
-                          <a:effectLst/>
-                        </a:rPr>
-                        <a:t>April</a:t>
-                      </a:r>
-                      <a:endParaRPr lang="en-US" sz="1100" b="0" i="0" u="none" strike="noStrike">
-                        <a:solidFill>
-                          <a:srgbClr val="000000"/>
-                        </a:solidFill>
-                        <a:effectLst/>
-                        <a:latin typeface="Calibri" panose="020F0502020204030204" pitchFamily="34" charset="0"/>
-                      </a:endParaRPr>
-                    </a:p>
-                  </a:txBody>
-                  <a:tcPr marL="6350" marR="6350" marT="6350" marB="0" anchor="b"/>
-                </a:tc>
-                <a:tc>
-                  <a:txBody>
-                    <a:bodyPr/>
-                    <a:lstStyle/>
-                    <a:p>
-                      <a:pPr algn="r" fontAlgn="b"/>
-                      <a:r>
-                        <a:rPr lang="en-US" sz="1100" u="none" strike="noStrike">
-                          <a:effectLst/>
-                        </a:rPr>
-                        <a:t>149</a:t>
-                      </a:r>
-                      <a:endParaRPr lang="en-US" sz="1100" b="0" i="0" u="none" strike="noStrike">
-                        <a:solidFill>
-                          <a:srgbClr val="000000"/>
-                        </a:solidFill>
-                        <a:effectLst/>
-                        <a:latin typeface="Calibri" panose="020F0502020204030204" pitchFamily="34" charset="0"/>
-                      </a:endParaRPr>
-                    </a:p>
-                  </a:txBody>
-                  <a:tcPr marL="6350" marR="6350" marT="6350" marB="0" anchor="b"/>
-                </a:tc>
-                <a:tc>
-                  <a:txBody>
-                    <a:bodyPr/>
-                    <a:lstStyle/>
-                    <a:p>
-                      <a:pPr algn="r" fontAlgn="b"/>
-                      <a:r>
-                        <a:rPr lang="en-US" sz="1100" u="none" strike="noStrike" dirty="0">
-                          <a:effectLst/>
-                        </a:rPr>
-                        <a:t>148</a:t>
-                      </a:r>
-                      <a:endParaRPr lang="en-US" sz="1100" b="0" i="0" u="none" strike="noStrike" dirty="0">
-                        <a:solidFill>
-                          <a:srgbClr val="000000"/>
-                        </a:solidFill>
-                        <a:effectLst/>
-                        <a:latin typeface="Calibri" panose="020F0502020204030204" pitchFamily="34" charset="0"/>
-                      </a:endParaRPr>
-                    </a:p>
-                  </a:txBody>
-                  <a:tcPr marL="6350" marR="6350" marT="6350" marB="0" anchor="b"/>
-                </a:tc>
-              </a:tr>
-              <a:tr h="184150">
-                <a:tc>
-                  <a:txBody>
-                    <a:bodyPr/>
-                    <a:lstStyle/>
-                    <a:p>
-                      <a:pPr algn="l" fontAlgn="b"/>
-                      <a:r>
-                        <a:rPr lang="en-US" sz="1100" u="none" strike="noStrike">
-                          <a:effectLst/>
-                        </a:rPr>
-                        <a:t>May</a:t>
-                      </a:r>
-                      <a:endParaRPr lang="en-US" sz="1100" b="0" i="0" u="none" strike="noStrike">
-                        <a:solidFill>
-                          <a:srgbClr val="000000"/>
-                        </a:solidFill>
-                        <a:effectLst/>
-                        <a:latin typeface="Calibri" panose="020F0502020204030204" pitchFamily="34" charset="0"/>
-                      </a:endParaRPr>
-                    </a:p>
-                  </a:txBody>
-                  <a:tcPr marL="6350" marR="6350" marT="6350" marB="0" anchor="b"/>
-                </a:tc>
-                <a:tc>
-                  <a:txBody>
-                    <a:bodyPr/>
-                    <a:lstStyle/>
-                    <a:p>
-                      <a:pPr algn="r" fontAlgn="b"/>
-                      <a:r>
-                        <a:rPr lang="en-US" sz="1100" u="none" strike="noStrike">
-                          <a:effectLst/>
-                        </a:rPr>
-                        <a:t>180</a:t>
-                      </a:r>
-                      <a:endParaRPr lang="en-US" sz="1100" b="0" i="0" u="none" strike="noStrike">
-                        <a:solidFill>
-                          <a:srgbClr val="000000"/>
-                        </a:solidFill>
-                        <a:effectLst/>
-                        <a:latin typeface="Calibri" panose="020F0502020204030204" pitchFamily="34" charset="0"/>
-                      </a:endParaRPr>
-                    </a:p>
-                  </a:txBody>
-                  <a:tcPr marL="6350" marR="6350" marT="6350" marB="0" anchor="b"/>
-                </a:tc>
-                <a:tc>
-                  <a:txBody>
-                    <a:bodyPr/>
-                    <a:lstStyle/>
-                    <a:p>
-                      <a:pPr algn="r" fontAlgn="b"/>
-                      <a:r>
-                        <a:rPr lang="en-US" sz="1100" u="none" strike="noStrike">
-                          <a:effectLst/>
-                        </a:rPr>
-                        <a:t>181</a:t>
-                      </a:r>
-                      <a:endParaRPr lang="en-US" sz="1100" b="0" i="0" u="none" strike="noStrike">
-                        <a:solidFill>
-                          <a:srgbClr val="000000"/>
-                        </a:solidFill>
-                        <a:effectLst/>
-                        <a:latin typeface="Calibri" panose="020F0502020204030204" pitchFamily="34" charset="0"/>
-                      </a:endParaRPr>
-                    </a:p>
-                  </a:txBody>
-                  <a:tcPr marL="6350" marR="6350" marT="6350" marB="0" anchor="b"/>
-                </a:tc>
-              </a:tr>
-              <a:tr h="184150">
-                <a:tc>
-                  <a:txBody>
-                    <a:bodyPr/>
-                    <a:lstStyle/>
-                    <a:p>
-                      <a:pPr algn="l" fontAlgn="b"/>
-                      <a:r>
-                        <a:rPr lang="en-US" sz="1100" u="none" strike="noStrike">
-                          <a:effectLst/>
-                        </a:rPr>
-                        <a:t>June</a:t>
-                      </a:r>
-                      <a:endParaRPr lang="en-US" sz="1100" b="0" i="0" u="none" strike="noStrike">
-                        <a:solidFill>
-                          <a:srgbClr val="000000"/>
-                        </a:solidFill>
-                        <a:effectLst/>
-                        <a:latin typeface="Calibri" panose="020F0502020204030204" pitchFamily="34" charset="0"/>
-                      </a:endParaRPr>
-                    </a:p>
-                  </a:txBody>
-                  <a:tcPr marL="6350" marR="6350" marT="6350" marB="0" anchor="b"/>
-                </a:tc>
-                <a:tc>
-                  <a:txBody>
-                    <a:bodyPr/>
-                    <a:lstStyle/>
-                    <a:p>
-                      <a:pPr algn="r" fontAlgn="b"/>
-                      <a:r>
-                        <a:rPr lang="en-US" sz="1100" u="none" strike="noStrike">
-                          <a:effectLst/>
-                        </a:rPr>
-                        <a:t>161</a:t>
-                      </a:r>
-                      <a:endParaRPr lang="en-US" sz="1100" b="0" i="0" u="none" strike="noStrike">
-                        <a:solidFill>
-                          <a:srgbClr val="000000"/>
-                        </a:solidFill>
-                        <a:effectLst/>
-                        <a:latin typeface="Calibri" panose="020F0502020204030204" pitchFamily="34" charset="0"/>
-                      </a:endParaRPr>
-                    </a:p>
-                  </a:txBody>
-                  <a:tcPr marL="6350" marR="6350" marT="6350" marB="0" anchor="b"/>
-                </a:tc>
-                <a:tc>
-                  <a:txBody>
-                    <a:bodyPr/>
-                    <a:lstStyle/>
-                    <a:p>
-                      <a:pPr algn="r" fontAlgn="b"/>
-                      <a:r>
-                        <a:rPr lang="en-US" sz="1100" u="none" strike="noStrike">
-                          <a:effectLst/>
-                        </a:rPr>
-                        <a:t>150</a:t>
-                      </a:r>
-                      <a:endParaRPr lang="en-US" sz="1100" b="0" i="0" u="none" strike="noStrike">
-                        <a:solidFill>
-                          <a:srgbClr val="000000"/>
-                        </a:solidFill>
-                        <a:effectLst/>
-                        <a:latin typeface="Calibri" panose="020F0502020204030204" pitchFamily="34" charset="0"/>
-                      </a:endParaRPr>
-                    </a:p>
-                  </a:txBody>
-                  <a:tcPr marL="6350" marR="6350" marT="6350" marB="0" anchor="b"/>
-                </a:tc>
-              </a:tr>
-              <a:tr h="184150">
-                <a:tc>
-                  <a:txBody>
-                    <a:bodyPr/>
-                    <a:lstStyle/>
-                    <a:p>
-                      <a:pPr algn="l" fontAlgn="b"/>
-                      <a:r>
-                        <a:rPr lang="en-US" sz="1100" u="none" strike="noStrike">
-                          <a:effectLst/>
-                        </a:rPr>
-                        <a:t>July</a:t>
-                      </a:r>
-                      <a:endParaRPr lang="en-US" sz="1100" b="0" i="0" u="none" strike="noStrike">
-                        <a:solidFill>
-                          <a:srgbClr val="000000"/>
-                        </a:solidFill>
-                        <a:effectLst/>
-                        <a:latin typeface="Calibri" panose="020F0502020204030204" pitchFamily="34" charset="0"/>
-                      </a:endParaRPr>
-                    </a:p>
-                  </a:txBody>
-                  <a:tcPr marL="6350" marR="6350" marT="6350" marB="0" anchor="b"/>
-                </a:tc>
-                <a:tc>
-                  <a:txBody>
-                    <a:bodyPr/>
-                    <a:lstStyle/>
-                    <a:p>
-                      <a:pPr algn="r" fontAlgn="b"/>
-                      <a:r>
-                        <a:rPr lang="en-US" sz="1100" u="none" strike="noStrike">
-                          <a:effectLst/>
-                        </a:rPr>
-                        <a:t>132</a:t>
-                      </a:r>
-                      <a:endParaRPr lang="en-US" sz="1100" b="0" i="0" u="none" strike="noStrike">
-                        <a:solidFill>
-                          <a:srgbClr val="000000"/>
-                        </a:solidFill>
-                        <a:effectLst/>
-                        <a:latin typeface="Calibri" panose="020F0502020204030204" pitchFamily="34" charset="0"/>
-                      </a:endParaRPr>
-                    </a:p>
-                  </a:txBody>
-                  <a:tcPr marL="6350" marR="6350" marT="6350" marB="0" anchor="b"/>
-                </a:tc>
-                <a:tc>
-                  <a:txBody>
-                    <a:bodyPr/>
-                    <a:lstStyle/>
-                    <a:p>
-                      <a:pPr algn="r" fontAlgn="b"/>
-                      <a:r>
-                        <a:rPr lang="en-US" sz="1100" u="none" strike="noStrike">
-                          <a:effectLst/>
-                        </a:rPr>
-                        <a:t>123</a:t>
-                      </a:r>
-                      <a:endParaRPr lang="en-US" sz="1100" b="0" i="0" u="none" strike="noStrike">
-                        <a:solidFill>
-                          <a:srgbClr val="000000"/>
-                        </a:solidFill>
-                        <a:effectLst/>
-                        <a:latin typeface="Calibri" panose="020F0502020204030204" pitchFamily="34" charset="0"/>
-                      </a:endParaRPr>
-                    </a:p>
-                  </a:txBody>
-                  <a:tcPr marL="6350" marR="6350" marT="6350" marB="0" anchor="b"/>
-                </a:tc>
-              </a:tr>
-              <a:tr h="184150">
-                <a:tc>
-                  <a:txBody>
-                    <a:bodyPr/>
-                    <a:lstStyle/>
-                    <a:p>
-                      <a:pPr algn="l" fontAlgn="b"/>
-                      <a:r>
-                        <a:rPr lang="en-US" sz="1100" u="none" strike="noStrike">
-                          <a:effectLst/>
-                        </a:rPr>
-                        <a:t>August</a:t>
-                      </a:r>
-                      <a:endParaRPr lang="en-US" sz="1100" b="0" i="0" u="none" strike="noStrike">
-                        <a:solidFill>
-                          <a:srgbClr val="000000"/>
-                        </a:solidFill>
-                        <a:effectLst/>
-                        <a:latin typeface="Calibri" panose="020F0502020204030204" pitchFamily="34" charset="0"/>
-                      </a:endParaRPr>
-                    </a:p>
-                  </a:txBody>
-                  <a:tcPr marL="6350" marR="6350" marT="6350" marB="0" anchor="b"/>
-                </a:tc>
-                <a:tc>
-                  <a:txBody>
-                    <a:bodyPr/>
-                    <a:lstStyle/>
-                    <a:p>
-                      <a:pPr algn="r" fontAlgn="b"/>
-                      <a:r>
-                        <a:rPr lang="en-US" sz="1100" u="none" strike="noStrike">
-                          <a:effectLst/>
-                        </a:rPr>
-                        <a:t>202</a:t>
-                      </a:r>
-                      <a:endParaRPr lang="en-US" sz="1100" b="0" i="0" u="none" strike="noStrike">
-                        <a:solidFill>
-                          <a:srgbClr val="000000"/>
-                        </a:solidFill>
-                        <a:effectLst/>
-                        <a:latin typeface="Calibri" panose="020F0502020204030204" pitchFamily="34" charset="0"/>
-                      </a:endParaRPr>
-                    </a:p>
-                  </a:txBody>
-                  <a:tcPr marL="6350" marR="6350" marT="6350" marB="0" anchor="b"/>
-                </a:tc>
-                <a:tc>
-                  <a:txBody>
-                    <a:bodyPr/>
-                    <a:lstStyle/>
-                    <a:p>
-                      <a:pPr algn="r" fontAlgn="b"/>
-                      <a:r>
-                        <a:rPr lang="en-US" sz="1100" u="none" strike="noStrike">
-                          <a:effectLst/>
-                        </a:rPr>
-                        <a:t>156</a:t>
-                      </a:r>
-                      <a:endParaRPr lang="en-US" sz="1100" b="0" i="0" u="none" strike="noStrike">
-                        <a:solidFill>
-                          <a:srgbClr val="000000"/>
-                        </a:solidFill>
-                        <a:effectLst/>
-                        <a:latin typeface="Calibri" panose="020F0502020204030204" pitchFamily="34" charset="0"/>
-                      </a:endParaRPr>
-                    </a:p>
-                  </a:txBody>
-                  <a:tcPr marL="6350" marR="6350" marT="6350" marB="0" anchor="b"/>
-                </a:tc>
-              </a:tr>
-              <a:tr h="184150">
-                <a:tc>
-                  <a:txBody>
-                    <a:bodyPr/>
-                    <a:lstStyle/>
-                    <a:p>
-                      <a:pPr algn="l" fontAlgn="b"/>
-                      <a:r>
-                        <a:rPr lang="en-US" sz="1100" u="none" strike="noStrike">
-                          <a:effectLst/>
-                        </a:rPr>
-                        <a:t>September</a:t>
-                      </a:r>
-                      <a:endParaRPr lang="en-US" sz="1100" b="0" i="0" u="none" strike="noStrike">
-                        <a:solidFill>
-                          <a:srgbClr val="000000"/>
-                        </a:solidFill>
-                        <a:effectLst/>
-                        <a:latin typeface="Calibri" panose="020F0502020204030204" pitchFamily="34" charset="0"/>
-                      </a:endParaRPr>
-                    </a:p>
-                  </a:txBody>
-                  <a:tcPr marL="6350" marR="6350" marT="6350" marB="0" anchor="b"/>
-                </a:tc>
-                <a:tc>
-                  <a:txBody>
-                    <a:bodyPr/>
-                    <a:lstStyle/>
-                    <a:p>
-                      <a:pPr algn="r" fontAlgn="b"/>
-                      <a:r>
-                        <a:rPr lang="en-US" sz="1100" u="none" strike="noStrike">
-                          <a:effectLst/>
-                        </a:rPr>
-                        <a:t>160</a:t>
-                      </a:r>
-                      <a:endParaRPr lang="en-US" sz="1100" b="0" i="0" u="none" strike="noStrike">
-                        <a:solidFill>
-                          <a:srgbClr val="000000"/>
-                        </a:solidFill>
-                        <a:effectLst/>
-                        <a:latin typeface="Calibri" panose="020F0502020204030204" pitchFamily="34" charset="0"/>
-                      </a:endParaRPr>
-                    </a:p>
-                  </a:txBody>
-                  <a:tcPr marL="6350" marR="6350" marT="6350" marB="0" anchor="b"/>
-                </a:tc>
-                <a:tc>
-                  <a:txBody>
-                    <a:bodyPr/>
-                    <a:lstStyle/>
-                    <a:p>
-                      <a:pPr algn="r" fontAlgn="b"/>
-                      <a:r>
-                        <a:rPr lang="en-US" sz="1100" u="none" strike="noStrike">
-                          <a:effectLst/>
-                        </a:rPr>
-                        <a:t>126</a:t>
-                      </a:r>
-                      <a:endParaRPr lang="en-US" sz="1100" b="0" i="0" u="none" strike="noStrike">
-                        <a:solidFill>
-                          <a:srgbClr val="000000"/>
-                        </a:solidFill>
-                        <a:effectLst/>
-                        <a:latin typeface="Calibri" panose="020F0502020204030204" pitchFamily="34" charset="0"/>
-                      </a:endParaRPr>
-                    </a:p>
-                  </a:txBody>
-                  <a:tcPr marL="6350" marR="6350" marT="6350" marB="0" anchor="b"/>
-                </a:tc>
-              </a:tr>
-              <a:tr h="184150">
-                <a:tc>
-                  <a:txBody>
-                    <a:bodyPr/>
-                    <a:lstStyle/>
-                    <a:p>
-                      <a:pPr algn="l" fontAlgn="b"/>
-                      <a:r>
-                        <a:rPr lang="en-US" sz="1100" u="none" strike="noStrike">
-                          <a:effectLst/>
-                        </a:rPr>
-                        <a:t>October</a:t>
-                      </a:r>
-                      <a:endParaRPr lang="en-US" sz="1100" b="0" i="0" u="none" strike="noStrike">
-                        <a:solidFill>
-                          <a:srgbClr val="000000"/>
-                        </a:solidFill>
-                        <a:effectLst/>
-                        <a:latin typeface="Calibri" panose="020F0502020204030204" pitchFamily="34" charset="0"/>
-                      </a:endParaRPr>
-                    </a:p>
-                  </a:txBody>
-                  <a:tcPr marL="6350" marR="6350" marT="6350" marB="0" anchor="b"/>
-                </a:tc>
-                <a:tc>
-                  <a:txBody>
-                    <a:bodyPr/>
-                    <a:lstStyle/>
-                    <a:p>
-                      <a:pPr algn="r" fontAlgn="b"/>
-                      <a:r>
-                        <a:rPr lang="en-US" sz="1100" u="none" strike="noStrike">
-                          <a:effectLst/>
-                        </a:rPr>
-                        <a:t>139</a:t>
-                      </a:r>
-                      <a:endParaRPr lang="en-US" sz="1100" b="0" i="0" u="none" strike="noStrike">
-                        <a:solidFill>
-                          <a:srgbClr val="000000"/>
-                        </a:solidFill>
-                        <a:effectLst/>
-                        <a:latin typeface="Calibri" panose="020F0502020204030204" pitchFamily="34" charset="0"/>
-                      </a:endParaRPr>
-                    </a:p>
-                  </a:txBody>
-                  <a:tcPr marL="6350" marR="6350" marT="6350" marB="0" anchor="b"/>
-                </a:tc>
-                <a:tc>
-                  <a:txBody>
-                    <a:bodyPr/>
-                    <a:lstStyle/>
-                    <a:p>
-                      <a:pPr algn="r" fontAlgn="b"/>
-                      <a:r>
-                        <a:rPr lang="en-US" sz="1100" u="none" strike="noStrike">
-                          <a:effectLst/>
-                        </a:rPr>
-                        <a:t>104</a:t>
-                      </a:r>
-                      <a:endParaRPr lang="en-US" sz="1100" b="0" i="0" u="none" strike="noStrike">
-                        <a:solidFill>
-                          <a:srgbClr val="000000"/>
-                        </a:solidFill>
-                        <a:effectLst/>
-                        <a:latin typeface="Calibri" panose="020F0502020204030204" pitchFamily="34" charset="0"/>
-                      </a:endParaRPr>
-                    </a:p>
-                  </a:txBody>
-                  <a:tcPr marL="6350" marR="6350" marT="6350" marB="0" anchor="b"/>
-                </a:tc>
-              </a:tr>
-              <a:tr h="184150">
-                <a:tc>
-                  <a:txBody>
-                    <a:bodyPr/>
-                    <a:lstStyle/>
-                    <a:p>
-                      <a:pPr algn="l" fontAlgn="b"/>
-                      <a:r>
-                        <a:rPr lang="en-US" sz="1100" u="none" strike="noStrike">
-                          <a:effectLst/>
-                        </a:rPr>
-                        <a:t>November</a:t>
-                      </a:r>
-                      <a:endParaRPr lang="en-US" sz="1100" b="0" i="0" u="none" strike="noStrike">
-                        <a:solidFill>
-                          <a:srgbClr val="000000"/>
-                        </a:solidFill>
-                        <a:effectLst/>
-                        <a:latin typeface="Calibri" panose="020F0502020204030204" pitchFamily="34" charset="0"/>
-                      </a:endParaRPr>
-                    </a:p>
-                  </a:txBody>
-                  <a:tcPr marL="6350" marR="6350" marT="6350" marB="0" anchor="b"/>
-                </a:tc>
-                <a:tc>
-                  <a:txBody>
-                    <a:bodyPr/>
-                    <a:lstStyle/>
-                    <a:p>
-                      <a:pPr algn="r" fontAlgn="b"/>
-                      <a:r>
-                        <a:rPr lang="en-US" sz="1100" u="none" strike="noStrike">
-                          <a:effectLst/>
-                        </a:rPr>
-                        <a:t>149</a:t>
-                      </a:r>
-                      <a:endParaRPr lang="en-US" sz="1100" b="0" i="0" u="none" strike="noStrike">
-                        <a:solidFill>
-                          <a:srgbClr val="000000"/>
-                        </a:solidFill>
-                        <a:effectLst/>
-                        <a:latin typeface="Calibri" panose="020F0502020204030204" pitchFamily="34" charset="0"/>
-                      </a:endParaRPr>
-                    </a:p>
-                  </a:txBody>
-                  <a:tcPr marL="6350" marR="6350" marT="6350" marB="0" anchor="b"/>
-                </a:tc>
-                <a:tc>
-                  <a:txBody>
-                    <a:bodyPr/>
-                    <a:lstStyle/>
-                    <a:p>
-                      <a:pPr algn="r" fontAlgn="b"/>
-                      <a:r>
-                        <a:rPr lang="en-US" sz="1100" u="none" strike="noStrike">
-                          <a:effectLst/>
-                        </a:rPr>
-                        <a:t>124</a:t>
-                      </a:r>
-                      <a:endParaRPr lang="en-US" sz="1100" b="0" i="0" u="none" strike="noStrike">
-                        <a:solidFill>
-                          <a:srgbClr val="000000"/>
-                        </a:solidFill>
-                        <a:effectLst/>
-                        <a:latin typeface="Calibri" panose="020F0502020204030204" pitchFamily="34" charset="0"/>
-                      </a:endParaRPr>
-                    </a:p>
-                  </a:txBody>
-                  <a:tcPr marL="6350" marR="6350" marT="6350" marB="0" anchor="b"/>
-                </a:tc>
-              </a:tr>
-              <a:tr h="184150">
-                <a:tc>
-                  <a:txBody>
-                    <a:bodyPr/>
-                    <a:lstStyle/>
-                    <a:p>
-                      <a:pPr algn="l" fontAlgn="b"/>
-                      <a:r>
-                        <a:rPr lang="en-US" sz="1100" u="none" strike="noStrike">
-                          <a:effectLst/>
-                        </a:rPr>
-                        <a:t>December</a:t>
-                      </a:r>
-                      <a:endParaRPr lang="en-US" sz="1100" b="0" i="0" u="none" strike="noStrike">
-                        <a:solidFill>
-                          <a:srgbClr val="000000"/>
-                        </a:solidFill>
-                        <a:effectLst/>
-                        <a:latin typeface="Calibri" panose="020F0502020204030204" pitchFamily="34" charset="0"/>
-                      </a:endParaRPr>
-                    </a:p>
-                  </a:txBody>
-                  <a:tcPr marL="6350" marR="6350" marT="6350" marB="0" anchor="b"/>
-                </a:tc>
-                <a:tc>
-                  <a:txBody>
-                    <a:bodyPr/>
-                    <a:lstStyle/>
-                    <a:p>
-                      <a:pPr algn="r" fontAlgn="b"/>
-                      <a:r>
-                        <a:rPr lang="en-US" sz="1100" u="none" strike="noStrike">
-                          <a:effectLst/>
-                        </a:rPr>
-                        <a:t>177</a:t>
-                      </a:r>
-                      <a:endParaRPr lang="en-US" sz="1100" b="0" i="0" u="none" strike="noStrike">
-                        <a:solidFill>
-                          <a:srgbClr val="000000"/>
-                        </a:solidFill>
-                        <a:effectLst/>
-                        <a:latin typeface="Calibri" panose="020F0502020204030204" pitchFamily="34" charset="0"/>
-                      </a:endParaRPr>
-                    </a:p>
-                  </a:txBody>
-                  <a:tcPr marL="6350" marR="6350" marT="6350" marB="0" anchor="b"/>
-                </a:tc>
-                <a:tc>
-                  <a:txBody>
-                    <a:bodyPr/>
-                    <a:lstStyle/>
-                    <a:p>
-                      <a:pPr algn="r" fontAlgn="b"/>
-                      <a:r>
-                        <a:rPr lang="en-US" sz="1100" u="none" strike="noStrike" dirty="0">
-                          <a:effectLst/>
-                        </a:rPr>
-                        <a:t>140</a:t>
-                      </a:r>
-                      <a:endParaRPr lang="en-US" sz="1100" b="0" i="0" u="none" strike="noStrike" dirty="0">
-                        <a:solidFill>
-                          <a:srgbClr val="000000"/>
-                        </a:solidFill>
-                        <a:effectLst/>
-                        <a:latin typeface="Calibri" panose="020F0502020204030204" pitchFamily="34" charset="0"/>
-                      </a:endParaRPr>
-                    </a:p>
-                  </a:txBody>
-                  <a:tcPr marL="6350" marR="6350" marT="6350" marB="0" anchor="b"/>
-                </a:tc>
-              </a:tr>
-            </a:tbl>
-          </a:graphicData>
-        </a:graphic>
-      </p:graphicFrame>
+      <p:sp>
+        <p:nvSpPr>
+          <p:cNvPr id="6" name="Rectangle 5"/>
+          <p:cNvSpPr/>
+          <p:nvPr/>
+        </p:nvSpPr>
+        <p:spPr bwMode="auto">
+          <a:xfrm>
+            <a:off x="479430" y="4237463"/>
+            <a:ext cx="2799029" cy="349405"/>
+          </a:xfrm>
+          <a:prstGeom prst="rect">
+            <a:avLst/>
+          </a:prstGeom>
+          <a:solidFill>
+            <a:schemeClr val="accent1"/>
+          </a:solidFill>
+          <a:ln w="9525" cap="flat" cmpd="sng" algn="ctr">
+            <a:noFill/>
+            <a:prstDash val="solid"/>
+            <a:round/>
+            <a:headEnd type="none" w="med" len="med"/>
+            <a:tailEnd type="none" w="med" len="med"/>
+          </a:ln>
+          <a:effectLst/>
+          <a:extLst>
+            <a:ext uri="{AF507438-7753-43E0-B8FC-AC1667EBCBE1}">
+              <a14:hiddenEffects xmlns:a14="http://schemas.microsoft.com/office/drawing/2010/main">
+                <a:effectLst>
+                  <a:outerShdw blurRad="63500" dist="38099" dir="2700000" algn="ctr" rotWithShape="0">
+                    <a:schemeClr val="bg2">
+                      <a:alpha val="74998"/>
+                    </a:schemeClr>
+                  </a:outerShdw>
+                </a:effectLst>
+              </a14:hiddenEffects>
+            </a:ext>
+          </a:extLst>
+        </p:spPr>
+        <p:txBody>
+          <a:bodyPr vert="horz" wrap="square" lIns="91440" tIns="45720" rIns="91440" bIns="45720" numCol="1" rtlCol="0" anchor="t" anchorCtr="0" compatLnSpc="1">
+            <a:prstTxWarp prst="textNoShape">
+              <a:avLst/>
+            </a:prstTxWarp>
+          </a:bodyPr>
+          <a:lstStyle/>
+          <a:p>
+            <a:pPr marL="0" marR="0" indent="0" algn="l" defTabSz="914400" rtl="0" eaLnBrk="0" fontAlgn="base" latinLnBrk="0" hangingPunct="0">
+              <a:lnSpc>
+                <a:spcPct val="100000"/>
+              </a:lnSpc>
+              <a:spcBef>
+                <a:spcPct val="0"/>
+              </a:spcBef>
+              <a:spcAft>
+                <a:spcPct val="0"/>
+              </a:spcAft>
+              <a:buClrTx/>
+              <a:buSzTx/>
+              <a:buFontTx/>
+              <a:buNone/>
+              <a:tabLst/>
+            </a:pPr>
+            <a:endParaRPr kumimoji="0" lang="en-US" sz="2400" b="0" i="0" u="none" strike="noStrike" cap="none" normalizeH="0" baseline="0">
+              <a:ln>
+                <a:noFill/>
+              </a:ln>
+              <a:solidFill>
+                <a:schemeClr val="tx1"/>
+              </a:solidFill>
+              <a:effectLst/>
+              <a:latin typeface="Times" charset="0"/>
+              <a:ea typeface="ＭＳ Ｐゴシック" charset="0"/>
+            </a:endParaRPr>
+          </a:p>
+        </p:txBody>
+      </p:sp>
+      <p:pic>
+        <p:nvPicPr>
+          <p:cNvPr id="7" name="Picture 6"/>
+          <p:cNvPicPr>
+            <a:picLocks noChangeAspect="1"/>
+          </p:cNvPicPr>
+          <p:nvPr/>
+        </p:nvPicPr>
+        <p:blipFill rotWithShape="1">
+          <a:blip r:embed="rId3"/>
+          <a:srcRect t="1846" r="51429" b="-1"/>
+          <a:stretch/>
+        </p:blipFill>
+        <p:spPr>
+          <a:xfrm>
+            <a:off x="558459" y="1013836"/>
+            <a:ext cx="3924641" cy="3855213"/>
+          </a:xfrm>
+          <a:prstGeom prst="rect">
+            <a:avLst/>
+          </a:prstGeom>
+        </p:spPr>
+      </p:pic>
     </p:spTree>
     <p:extLst>
       <p:ext uri="{BB962C8B-B14F-4D97-AF65-F5344CB8AC3E}">
-        <p14:creationId xmlns:p14="http://schemas.microsoft.com/office/powerpoint/2010/main" val="2220755791"/>
+        <p14:creationId xmlns:p14="http://schemas.microsoft.com/office/powerpoint/2010/main" val="1556137189"/>
       </p:ext>
     </p:extLst>
   </p:cSld>
@@ -4291,8 +3359,12 @@
           <a:lstStyle/>
           <a:p>
             <a:r>
+              <a:rPr lang="en-US" dirty="0"/>
+              <a:t>Problem 2</a:t>
+            </a:r>
+            <a:r>
               <a:rPr lang="en-US" dirty="0" smtClean="0"/>
-              <a:t>Problem 1: recreate the plot below with python</a:t>
+              <a:t>: recreate the plot below with python</a:t>
             </a:r>
             <a:endParaRPr lang="ru-RU" dirty="0"/>
           </a:p>
@@ -4335,30 +3407,6 @@
           </a:p>
         </p:txBody>
       </p:sp>
-      <p:pic>
-        <p:nvPicPr>
-          <p:cNvPr id="5" name="Picture 4"/>
-          <p:cNvPicPr>
-            <a:picLocks noChangeAspect="1"/>
-          </p:cNvPicPr>
-          <p:nvPr/>
-        </p:nvPicPr>
-        <p:blipFill>
-          <a:blip r:embed="rId3"/>
-          <a:stretch>
-            <a:fillRect/>
-          </a:stretch>
-        </p:blipFill>
-        <p:spPr>
-          <a:xfrm>
-            <a:off x="479430" y="958008"/>
-            <a:ext cx="5740090" cy="3485055"/>
-          </a:xfrm>
-          <a:prstGeom prst="rect">
-            <a:avLst/>
-          </a:prstGeom>
-        </p:spPr>
-      </p:pic>
       <p:sp>
         <p:nvSpPr>
           <p:cNvPr id="6" name="Rectangle 5"/>
@@ -4436,10 +3484,110 @@
           </a:p>
         </p:txBody>
       </p:sp>
+      <p:pic>
+        <p:nvPicPr>
+          <p:cNvPr id="8" name="Picture 7"/>
+          <p:cNvPicPr>
+            <a:picLocks noChangeAspect="1"/>
+          </p:cNvPicPr>
+          <p:nvPr/>
+        </p:nvPicPr>
+        <p:blipFill rotWithShape="1">
+          <a:blip r:embed="rId3"/>
+          <a:srcRect l="49944" t="434"/>
+          <a:stretch/>
+        </p:blipFill>
+        <p:spPr>
+          <a:xfrm>
+            <a:off x="479430" y="1092820"/>
+            <a:ext cx="3252367" cy="3144643"/>
+          </a:xfrm>
+          <a:prstGeom prst="rect">
+            <a:avLst/>
+          </a:prstGeom>
+        </p:spPr>
+      </p:pic>
+      <p:sp>
+        <p:nvSpPr>
+          <p:cNvPr id="3" name="Rectangle 2"/>
+          <p:cNvSpPr/>
+          <p:nvPr/>
+        </p:nvSpPr>
+        <p:spPr bwMode="auto">
+          <a:xfrm>
+            <a:off x="479430" y="3657600"/>
+            <a:ext cx="3393760" cy="676507"/>
+          </a:xfrm>
+          <a:prstGeom prst="rect">
+            <a:avLst/>
+          </a:prstGeom>
+          <a:solidFill>
+            <a:schemeClr val="accent1"/>
+          </a:solidFill>
+          <a:ln w="9525" cap="flat" cmpd="sng" algn="ctr">
+            <a:noFill/>
+            <a:prstDash val="solid"/>
+            <a:round/>
+            <a:headEnd type="none" w="med" len="med"/>
+            <a:tailEnd type="none" w="med" len="med"/>
+          </a:ln>
+          <a:effectLst/>
+          <a:extLst>
+            <a:ext uri="{AF507438-7753-43E0-B8FC-AC1667EBCBE1}">
+              <a14:hiddenEffects xmlns:a14="http://schemas.microsoft.com/office/drawing/2010/main">
+                <a:effectLst>
+                  <a:outerShdw blurRad="63500" dist="38099" dir="2700000" algn="ctr" rotWithShape="0">
+                    <a:schemeClr val="bg2">
+                      <a:alpha val="74998"/>
+                    </a:schemeClr>
+                  </a:outerShdw>
+                </a:effectLst>
+              </a14:hiddenEffects>
+            </a:ext>
+          </a:extLst>
+        </p:spPr>
+        <p:txBody>
+          <a:bodyPr vert="horz" wrap="square" lIns="91440" tIns="45720" rIns="91440" bIns="45720" numCol="1" rtlCol="0" anchor="t" anchorCtr="0" compatLnSpc="1">
+            <a:prstTxWarp prst="textNoShape">
+              <a:avLst/>
+            </a:prstTxWarp>
+          </a:bodyPr>
+          <a:lstStyle/>
+          <a:p>
+            <a:pPr marL="0" marR="0" indent="0" algn="l" defTabSz="914400" rtl="0" eaLnBrk="0" fontAlgn="base" latinLnBrk="0" hangingPunct="0">
+              <a:lnSpc>
+                <a:spcPct val="100000"/>
+              </a:lnSpc>
+              <a:spcBef>
+                <a:spcPct val="0"/>
+              </a:spcBef>
+              <a:spcAft>
+                <a:spcPct val="0"/>
+              </a:spcAft>
+              <a:buClrTx/>
+              <a:buSzTx/>
+              <a:buFontTx/>
+              <a:buNone/>
+              <a:tabLst/>
+            </a:pPr>
+            <a:endParaRPr kumimoji="0" lang="en-US" sz="2400" b="0" i="0" u="none" strike="noStrike" cap="none" normalizeH="0" baseline="0">
+              <a:ln>
+                <a:noFill/>
+              </a:ln>
+              <a:solidFill>
+                <a:schemeClr val="tx1"/>
+              </a:solidFill>
+              <a:effectLst/>
+              <a:latin typeface="Times" charset="0"/>
+              <a:ea typeface="ＭＳ Ｐゴシック" charset="0"/>
+            </a:endParaRPr>
+          </a:p>
+        </p:txBody>
+      </p:sp>
     </p:spTree>
     <p:extLst>
       <p:ext uri="{BB962C8B-B14F-4D97-AF65-F5344CB8AC3E}">
-        <p14:creationId xmlns:p14="http://schemas.microsoft.com/office/powerpoint/2010/main" val="1556137189"/>
+        <p14:creationId xmlns:p14="http://schemas.microsoft.com/office/powerpoint/2010/main" val="26965968"/>
       </p:ext>
     </p:extLst>
   </p:cSld>
@@ -4490,11 +3638,11 @@
           <a:p>
             <a:r>
               <a:rPr lang="en-US" dirty="0"/>
-              <a:t>Problem 2</a:t>
+              <a:t>Problem 3</a:t>
             </a:r>
             <a:r>
               <a:rPr lang="en-US" dirty="0" smtClean="0"/>
-              <a:t>: recreate the plot below with python</a:t>
+              <a:t>: improve the plot below for product price data</a:t>
             </a:r>
             <a:endParaRPr lang="ru-RU" dirty="0"/>
           </a:p>
@@ -4616,7 +3764,7 @@
       </p:sp>
       <p:pic>
         <p:nvPicPr>
-          <p:cNvPr id="7" name="Picture 6"/>
+          <p:cNvPr id="3" name="Picture 2"/>
           <p:cNvPicPr>
             <a:picLocks noChangeAspect="1"/>
           </p:cNvPicPr>
@@ -4630,8 +3778,8 @@
         </p:blipFill>
         <p:spPr>
           <a:xfrm>
-            <a:off x="572429" y="1148532"/>
-            <a:ext cx="5255942" cy="2953490"/>
+            <a:off x="479430" y="1013835"/>
+            <a:ext cx="5537731" cy="3223627"/>
           </a:xfrm>
           <a:prstGeom prst="rect">
             <a:avLst/>
@@ -4641,7 +3789,7 @@
     </p:spTree>
     <p:extLst>
       <p:ext uri="{BB962C8B-B14F-4D97-AF65-F5344CB8AC3E}">
-        <p14:creationId xmlns:p14="http://schemas.microsoft.com/office/powerpoint/2010/main" val="26965968"/>
+        <p14:creationId xmlns:p14="http://schemas.microsoft.com/office/powerpoint/2010/main" val="2195419251"/>
       </p:ext>
     </p:extLst>
   </p:cSld>
@@ -4691,12 +3839,8 @@
           <a:lstStyle/>
           <a:p>
             <a:r>
-              <a:rPr lang="en-US" dirty="0"/>
-              <a:t>Problem 3</a:t>
-            </a:r>
-            <a:r>
               <a:rPr lang="en-US" dirty="0" smtClean="0"/>
-              <a:t>: improve the plot below for product price data</a:t>
+              <a:t>The form of the result</a:t>
             </a:r>
             <a:endParaRPr lang="ru-RU" dirty="0"/>
           </a:p>
@@ -4730,204 +3874,6 @@
                 <a:defRPr/>
               </a:pPr>
               <a:t>5</a:t>
-            </a:fld>
-            <a:endParaRPr lang="sv-SE" dirty="0">
-              <a:solidFill>
-                <a:srgbClr val="000000"/>
-              </a:solidFill>
-            </a:endParaRPr>
-          </a:p>
-        </p:txBody>
-      </p:sp>
-      <p:sp>
-        <p:nvSpPr>
-          <p:cNvPr id="6" name="Rectangle 5"/>
-          <p:cNvSpPr/>
-          <p:nvPr/>
-        </p:nvSpPr>
-        <p:spPr bwMode="auto">
-          <a:xfrm>
-            <a:off x="479430" y="4237463"/>
-            <a:ext cx="2799029" cy="349405"/>
-          </a:xfrm>
-          <a:prstGeom prst="rect">
-            <a:avLst/>
-          </a:prstGeom>
-          <a:solidFill>
-            <a:schemeClr val="accent1"/>
-          </a:solidFill>
-          <a:ln w="9525" cap="flat" cmpd="sng" algn="ctr">
-            <a:noFill/>
-            <a:prstDash val="solid"/>
-            <a:round/>
-            <a:headEnd type="none" w="med" len="med"/>
-            <a:tailEnd type="none" w="med" len="med"/>
-          </a:ln>
-          <a:effectLst/>
-          <a:extLst>
-            <a:ext uri="{AF507438-7753-43E0-B8FC-AC1667EBCBE1}">
-              <a14:hiddenEffects xmlns:a14="http://schemas.microsoft.com/office/drawing/2010/main">
-                <a:effectLst>
-                  <a:outerShdw blurRad="63500" dist="38099" dir="2700000" algn="ctr" rotWithShape="0">
-                    <a:schemeClr val="bg2">
-                      <a:alpha val="74998"/>
-                    </a:schemeClr>
-                  </a:outerShdw>
-                </a:effectLst>
-              </a14:hiddenEffects>
-            </a:ext>
-          </a:extLst>
-        </p:spPr>
-        <p:txBody>
-          <a:bodyPr vert="horz" wrap="square" lIns="91440" tIns="45720" rIns="91440" bIns="45720" numCol="1" rtlCol="0" anchor="t" anchorCtr="0" compatLnSpc="1">
-            <a:prstTxWarp prst="textNoShape">
-              <a:avLst/>
-            </a:prstTxWarp>
-          </a:bodyPr>
-          <a:lstStyle/>
-          <a:p>
-            <a:pPr marL="0" marR="0" indent="0" algn="l" defTabSz="914400" rtl="0" eaLnBrk="0" fontAlgn="base" latinLnBrk="0" hangingPunct="0">
-              <a:lnSpc>
-                <a:spcPct val="100000"/>
-              </a:lnSpc>
-              <a:spcBef>
-                <a:spcPct val="0"/>
-              </a:spcBef>
-              <a:spcAft>
-                <a:spcPct val="0"/>
-              </a:spcAft>
-              <a:buClrTx/>
-              <a:buSzTx/>
-              <a:buFontTx/>
-              <a:buNone/>
-              <a:tabLst/>
-            </a:pPr>
-            <a:endParaRPr kumimoji="0" lang="en-US" sz="2400" b="0" i="0" u="none" strike="noStrike" cap="none" normalizeH="0" baseline="0">
-              <a:ln>
-                <a:noFill/>
-              </a:ln>
-              <a:solidFill>
-                <a:schemeClr val="tx1"/>
-              </a:solidFill>
-              <a:effectLst/>
-              <a:latin typeface="Times" charset="0"/>
-              <a:ea typeface="ＭＳ Ｐゴシック" charset="0"/>
-            </a:endParaRPr>
-          </a:p>
-        </p:txBody>
-      </p:sp>
-      <p:pic>
-        <p:nvPicPr>
-          <p:cNvPr id="3" name="Picture 2"/>
-          <p:cNvPicPr>
-            <a:picLocks noChangeAspect="1"/>
-          </p:cNvPicPr>
-          <p:nvPr/>
-        </p:nvPicPr>
-        <p:blipFill>
-          <a:blip r:embed="rId3"/>
-          <a:stretch>
-            <a:fillRect/>
-          </a:stretch>
-        </p:blipFill>
-        <p:spPr>
-          <a:xfrm>
-            <a:off x="479430" y="1013835"/>
-            <a:ext cx="5537731" cy="3223627"/>
-          </a:xfrm>
-          <a:prstGeom prst="rect">
-            <a:avLst/>
-          </a:prstGeom>
-        </p:spPr>
-      </p:pic>
-    </p:spTree>
-    <p:extLst>
-      <p:ext uri="{BB962C8B-B14F-4D97-AF65-F5344CB8AC3E}">
-        <p14:creationId xmlns:p14="http://schemas.microsoft.com/office/powerpoint/2010/main" val="2195419251"/>
-      </p:ext>
-    </p:extLst>
-  </p:cSld>
-  <p:clrMapOvr>
-    <a:masterClrMapping/>
-  </p:clrMapOvr>
-  <p:timing>
-    <p:tnLst>
-      <p:par>
-        <p:cTn id="1" dur="indefinite" restart="never" nodeType="tmRoot"/>
-      </p:par>
-    </p:tnLst>
-  </p:timing>
-</p:sld>
-</file>
-
-<file path=ppt/slides/slide6.xml><?xml version="1.0" encoding="utf-8"?>
-<p:sld xmlns:a="http://schemas.openxmlformats.org/drawingml/2006/main" xmlns:r="http://schemas.openxmlformats.org/officeDocument/2006/relationships" xmlns:p="http://schemas.openxmlformats.org/presentationml/2006/main">
-  <p:cSld>
-    <p:spTree>
-      <p:nvGrpSpPr>
-        <p:cNvPr id="1" name=""/>
-        <p:cNvGrpSpPr/>
-        <p:nvPr/>
-      </p:nvGrpSpPr>
-      <p:grpSpPr>
-        <a:xfrm>
-          <a:off x="0" y="0"/>
-          <a:ext cx="0" cy="0"/>
-          <a:chOff x="0" y="0"/>
-          <a:chExt cx="0" cy="0"/>
-        </a:xfrm>
-      </p:grpSpPr>
-      <p:sp>
-        <p:nvSpPr>
-          <p:cNvPr id="2" name="Title 1"/>
-          <p:cNvSpPr>
-            <a:spLocks noGrp="1"/>
-          </p:cNvSpPr>
-          <p:nvPr>
-            <p:ph type="title"/>
-          </p:nvPr>
-        </p:nvSpPr>
-        <p:spPr/>
-        <p:txBody>
-          <a:bodyPr/>
-          <a:lstStyle/>
-          <a:p>
-            <a:r>
-              <a:rPr lang="en-US" dirty="0" smtClean="0"/>
-              <a:t>The form of the result</a:t>
-            </a:r>
-            <a:endParaRPr lang="ru-RU" dirty="0"/>
-          </a:p>
-        </p:txBody>
-      </p:sp>
-      <p:sp>
-        <p:nvSpPr>
-          <p:cNvPr id="4" name="Slide Number Placeholder 3"/>
-          <p:cNvSpPr>
-            <a:spLocks noGrp="1"/>
-          </p:cNvSpPr>
-          <p:nvPr>
-            <p:ph type="sldNum" sz="quarter" idx="10"/>
-          </p:nvPr>
-        </p:nvSpPr>
-        <p:spPr/>
-        <p:txBody>
-          <a:bodyPr/>
-          <a:lstStyle/>
-          <a:p>
-            <a:pPr algn="ctr">
-              <a:defRPr/>
-            </a:pPr>
-            <a:fld id="{E72CDBCD-DC01-4FAC-8FDF-C9CFE58E3371}" type="slidenum">
-              <a:rPr lang="sv-SE" smtClean="0">
-                <a:solidFill>
-                  <a:srgbClr val="000000"/>
-                </a:solidFill>
-              </a:rPr>
-              <a:pPr algn="ctr">
-                <a:defRPr/>
-              </a:pPr>
-              <a:t>6</a:t>
             </a:fld>
             <a:endParaRPr lang="sv-SE" dirty="0">
               <a:solidFill>
